--- a/Slides/04_Growth.pptx
+++ b/Slides/04_Growth.pptx
@@ -17,10 +17,10 @@
     <p:sldId id="316" r:id="rId5"/>
     <p:sldId id="315" r:id="rId6"/>
     <p:sldId id="336" r:id="rId7"/>
-    <p:sldId id="335" r:id="rId8"/>
-    <p:sldId id="337" r:id="rId9"/>
-    <p:sldId id="338" r:id="rId10"/>
-    <p:sldId id="339" r:id="rId11"/>
+    <p:sldId id="339" r:id="rId8"/>
+    <p:sldId id="335" r:id="rId9"/>
+    <p:sldId id="337" r:id="rId10"/>
+    <p:sldId id="338" r:id="rId11"/>
   </p:sldIdLst>
   <p:sldSz cx="9144000" cy="6858000" type="screen4x3"/>
   <p:notesSz cx="6858000" cy="9190038"/>
@@ -4214,40 +4214,109 @@
             </a:r>
             <a:r>
               <a:rPr lang="en-US" dirty="0" smtClean="0"/>
-              <a:t>– Other Versions</a:t>
+              <a:t>– Francis</a:t>
             </a:r>
             <a:endParaRPr lang="en-US" dirty="0"/>
           </a:p>
         </p:txBody>
       </p:sp>
-      <p:pic>
-        <p:nvPicPr>
-          <p:cNvPr id="3" name="Picture 2"/>
-          <p:cNvPicPr>
-            <a:picLocks noChangeAspect="1"/>
-          </p:cNvPicPr>
-          <p:nvPr/>
-        </p:nvPicPr>
-        <p:blipFill>
-          <a:blip r:embed="rId2"/>
-          <a:stretch>
-            <a:fillRect/>
-          </a:stretch>
-        </p:blipFill>
+      <p:sp>
+        <p:nvSpPr>
+          <p:cNvPr id="418819" name="Rectangle 3"/>
+          <p:cNvSpPr>
+            <a:spLocks noGrp="1" noChangeArrowheads="1"/>
+          </p:cNvSpPr>
+          <p:nvPr>
+            <p:ph type="body" idx="1"/>
+          </p:nvPr>
+        </p:nvSpPr>
         <p:spPr>
           <a:xfrm>
-            <a:off x="77094" y="1371600"/>
-            <a:ext cx="8989811" cy="4114799"/>
+            <a:off x="65088" y="1066800"/>
+            <a:ext cx="9078912" cy="5562600"/>
           </a:xfrm>
-          <a:prstGeom prst="rect">
-            <a:avLst/>
-          </a:prstGeom>
         </p:spPr>
-      </p:pic>
+        <p:txBody>
+          <a:bodyPr/>
+          <a:lstStyle/>
+          <a:p>
+            <a:pPr>
+              <a:lnSpc>
+                <a:spcPct val="90000"/>
+              </a:lnSpc>
+            </a:pPr>
+            <a:r>
+              <a:rPr lang="en-US" dirty="0"/>
+              <a:t> </a:t>
+            </a:r>
+            <a:r>
+              <a:rPr lang="en-US" dirty="0" smtClean="0"/>
+              <a:t>A </a:t>
+            </a:r>
+            <a:r>
+              <a:rPr lang="en-US" dirty="0" err="1" smtClean="0"/>
+              <a:t>reparameterization</a:t>
+            </a:r>
+            <a:endParaRPr lang="en-US" dirty="0" smtClean="0"/>
+          </a:p>
+          <a:p>
+            <a:pPr>
+              <a:lnSpc>
+                <a:spcPct val="90000"/>
+              </a:lnSpc>
+            </a:pPr>
+            <a:endParaRPr lang="en-US" dirty="0"/>
+          </a:p>
+          <a:p>
+            <a:pPr>
+              <a:lnSpc>
+                <a:spcPct val="90000"/>
+              </a:lnSpc>
+            </a:pPr>
+            <a:r>
+              <a:rPr lang="en-US" dirty="0" smtClean="0"/>
+              <a:t>Goals</a:t>
+            </a:r>
+          </a:p>
+          <a:p>
+            <a:pPr lvl="1">
+              <a:lnSpc>
+                <a:spcPct val="90000"/>
+              </a:lnSpc>
+            </a:pPr>
+            <a:r>
+              <a:rPr lang="en-US" dirty="0" smtClean="0"/>
+              <a:t>Better model fitting</a:t>
+            </a:r>
+          </a:p>
+          <a:p>
+            <a:pPr lvl="2">
+              <a:lnSpc>
+                <a:spcPct val="90000"/>
+              </a:lnSpc>
+            </a:pPr>
+            <a:r>
+              <a:rPr lang="en-US" dirty="0" smtClean="0"/>
+              <a:t>Reduce correlation among parameters &amp; scale difference</a:t>
+            </a:r>
+          </a:p>
+          <a:p>
+            <a:pPr lvl="1">
+              <a:lnSpc>
+                <a:spcPct val="90000"/>
+              </a:lnSpc>
+            </a:pPr>
+            <a:r>
+              <a:rPr lang="en-US" dirty="0" smtClean="0"/>
+              <a:t>Easier interpretation</a:t>
+            </a:r>
+          </a:p>
+        </p:txBody>
+      </p:sp>
     </p:spTree>
     <p:extLst>
       <p:ext uri="{BB962C8B-B14F-4D97-AF65-F5344CB8AC3E}">
-        <p14:creationId xmlns:p14="http://schemas.microsoft.com/office/powerpoint/2010/main" val="677386688"/>
+        <p14:creationId xmlns:p14="http://schemas.microsoft.com/office/powerpoint/2010/main" val="3253704358"/>
       </p:ext>
     </p:extLst>
   </p:cSld>
@@ -4257,9 +4326,84 @@
   <p:timing>
     <p:tnLst>
       <p:par>
-        <p:cTn id="1" dur="indefinite" restart="never" nodeType="tmRoot"/>
+        <p:cTn id="1" dur="indefinite" restart="never" nodeType="tmRoot">
+          <p:childTnLst>
+            <p:seq concurrent="1" nextAc="seek">
+              <p:cTn id="2" dur="indefinite" nodeType="mainSeq">
+                <p:childTnLst>
+                  <p:par>
+                    <p:cTn id="3" fill="hold">
+                      <p:stCondLst>
+                        <p:cond delay="indefinite"/>
+                      </p:stCondLst>
+                      <p:childTnLst>
+                        <p:par>
+                          <p:cTn id="4" fill="hold">
+                            <p:stCondLst>
+                              <p:cond delay="0"/>
+                            </p:stCondLst>
+                            <p:childTnLst>
+                              <p:par>
+                                <p:cTn id="5" presetID="1" presetClass="entr" presetSubtype="0" fill="hold" grpId="0" nodeType="clickEffect">
+                                  <p:stCondLst>
+                                    <p:cond delay="0"/>
+                                  </p:stCondLst>
+                                  <p:childTnLst>
+                                    <p:set>
+                                      <p:cBhvr>
+                                        <p:cTn id="6" dur="1" fill="hold">
+                                          <p:stCondLst>
+                                            <p:cond delay="0"/>
+                                          </p:stCondLst>
+                                        </p:cTn>
+                                        <p:tgtEl>
+                                          <p:spTgt spid="418819">
+                                            <p:txEl>
+                                              <p:pRg st="5" end="5"/>
+                                            </p:txEl>
+                                          </p:spTgt>
+                                        </p:tgtEl>
+                                        <p:attrNameLst>
+                                          <p:attrName>style.visibility</p:attrName>
+                                        </p:attrNameLst>
+                                      </p:cBhvr>
+                                      <p:to>
+                                        <p:strVal val="visible"/>
+                                      </p:to>
+                                    </p:set>
+                                  </p:childTnLst>
+                                </p:cTn>
+                              </p:par>
+                            </p:childTnLst>
+                          </p:cTn>
+                        </p:par>
+                      </p:childTnLst>
+                    </p:cTn>
+                  </p:par>
+                </p:childTnLst>
+              </p:cTn>
+              <p:prevCondLst>
+                <p:cond evt="onPrev" delay="0">
+                  <p:tgtEl>
+                    <p:sldTgt/>
+                  </p:tgtEl>
+                </p:cond>
+              </p:prevCondLst>
+              <p:nextCondLst>
+                <p:cond evt="onNext" delay="0">
+                  <p:tgtEl>
+                    <p:sldTgt/>
+                  </p:tgtEl>
+                </p:cond>
+              </p:nextCondLst>
+            </p:seq>
+          </p:childTnLst>
+        </p:cTn>
       </p:par>
     </p:tnLst>
+    <p:bldLst>
+      <p:bldP spid="418819" grpId="0" uiExpand="1" build="p"/>
+    </p:bldLst>
   </p:timing>
 </p:sld>
 </file>
@@ -5376,21 +5520,10 @@
               </a:lnSpc>
             </a:pPr>
             <a:r>
-              <a:rPr lang="en-US" dirty="0"/>
-              <a:t>e</a:t>
-            </a:r>
-            <a:r>
-              <a:rPr lang="en-US" baseline="30000" dirty="0"/>
-              <a:t>-K</a:t>
-            </a:r>
-            <a:r>
-              <a:rPr lang="en-US" dirty="0"/>
-              <a:t> is constant change in growth </a:t>
-            </a:r>
-            <a:r>
               <a:rPr lang="en-US" dirty="0" smtClean="0"/>
-              <a:t>increment</a:t>
-            </a:r>
+              <a:t>log(2)/K is “half-life”</a:t>
+            </a:r>
+            <a:endParaRPr lang="en-US" dirty="0" smtClean="0"/>
           </a:p>
           <a:p>
             <a:pPr lvl="1">
@@ -6511,6 +6644,121 @@
 </file>
 
 <file path=ppt/slides/slide7.xml><?xml version="1.0" encoding="utf-8"?>
+<p:sld xmlns:a="http://schemas.openxmlformats.org/drawingml/2006/main" xmlns:r="http://schemas.openxmlformats.org/officeDocument/2006/relationships" xmlns:p="http://schemas.openxmlformats.org/presentationml/2006/main">
+  <p:cSld>
+    <p:spTree>
+      <p:nvGrpSpPr>
+        <p:cNvPr id="1" name=""/>
+        <p:cNvGrpSpPr/>
+        <p:nvPr/>
+      </p:nvGrpSpPr>
+      <p:grpSpPr>
+        <a:xfrm>
+          <a:off x="0" y="0"/>
+          <a:ext cx="0" cy="0"/>
+          <a:chOff x="0" y="0"/>
+          <a:chExt cx="0" cy="0"/>
+        </a:xfrm>
+      </p:grpSpPr>
+      <p:sp>
+        <p:nvSpPr>
+          <p:cNvPr id="2" name="Title 1"/>
+          <p:cNvSpPr>
+            <a:spLocks noGrp="1"/>
+          </p:cNvSpPr>
+          <p:nvPr>
+            <p:ph type="title"/>
+          </p:nvPr>
+        </p:nvSpPr>
+        <p:spPr/>
+        <p:txBody>
+          <a:bodyPr/>
+          <a:lstStyle/>
+          <a:p>
+            <a:endParaRPr lang="en-US"/>
+          </a:p>
+        </p:txBody>
+      </p:sp>
+      <p:sp>
+        <p:nvSpPr>
+          <p:cNvPr id="3" name="Content Placeholder 2"/>
+          <p:cNvSpPr>
+            <a:spLocks noGrp="1"/>
+          </p:cNvSpPr>
+          <p:nvPr>
+            <p:ph idx="1"/>
+          </p:nvPr>
+        </p:nvSpPr>
+        <p:spPr/>
+        <p:txBody>
+          <a:bodyPr/>
+          <a:lstStyle/>
+          <a:p>
+            <a:endParaRPr lang="en-US"/>
+          </a:p>
+        </p:txBody>
+      </p:sp>
+      <p:sp>
+        <p:nvSpPr>
+          <p:cNvPr id="4" name="Footer Placeholder 3"/>
+          <p:cNvSpPr>
+            <a:spLocks noGrp="1"/>
+          </p:cNvSpPr>
+          <p:nvPr>
+            <p:ph type="ftr" sz="quarter" idx="10"/>
+          </p:nvPr>
+        </p:nvSpPr>
+        <p:spPr/>
+        <p:txBody>
+          <a:bodyPr/>
+          <a:lstStyle/>
+          <a:p>
+            <a:r>
+              <a:rPr lang="en-US" smtClean="0"/>
+              <a:t>MNAFS 2013 - Growth</a:t>
+            </a:r>
+            <a:endParaRPr lang="en-US"/>
+          </a:p>
+        </p:txBody>
+      </p:sp>
+      <p:sp>
+        <p:nvSpPr>
+          <p:cNvPr id="5" name="Slide Number Placeholder 4"/>
+          <p:cNvSpPr>
+            <a:spLocks noGrp="1"/>
+          </p:cNvSpPr>
+          <p:nvPr>
+            <p:ph type="sldNum" sz="quarter" idx="11"/>
+          </p:nvPr>
+        </p:nvSpPr>
+        <p:spPr/>
+        <p:txBody>
+          <a:bodyPr/>
+          <a:lstStyle/>
+          <a:p>
+            <a:fld id="{ED6950E9-D724-4023-B9C4-CE5A7098C138}" type="slidenum">
+              <a:rPr lang="en-US" smtClean="0"/>
+              <a:pPr/>
+              <a:t>7</a:t>
+            </a:fld>
+            <a:endParaRPr lang="en-US"/>
+          </a:p>
+        </p:txBody>
+      </p:sp>
+    </p:spTree>
+    <p:extLst>
+      <p:ext uri="{BB962C8B-B14F-4D97-AF65-F5344CB8AC3E}">
+        <p14:creationId xmlns:p14="http://schemas.microsoft.com/office/powerpoint/2010/main" val="1629006304"/>
+      </p:ext>
+    </p:extLst>
+  </p:cSld>
+  <p:clrMapOvr>
+    <a:masterClrMapping/>
+  </p:clrMapOvr>
+</p:sld>
+</file>
+
+<file path=ppt/slides/slide8.xml><?xml version="1.0" encoding="utf-8"?>
 <p:sld xmlns:a="http://schemas.openxmlformats.org/drawingml/2006/main" xmlns:r="http://schemas.openxmlformats.org/officeDocument/2006/relationships" xmlns:p="http://schemas.openxmlformats.org/presentationml/2006/main" showMasterSp="0">
   <p:cSld>
     <p:spTree>
@@ -6568,7 +6816,7 @@
             <a:fld id="{4BDAF3FE-F4ED-40E0-8515-1C336F67AAE4}" type="slidenum">
               <a:rPr lang="en-US"/>
               <a:pPr/>
-              <a:t>7</a:t>
+              <a:t>8</a:t>
             </a:fld>
             <a:endParaRPr lang="en-US"/>
           </a:p>
@@ -7084,7 +7332,7 @@
 </p:sld>
 </file>
 
-<file path=ppt/slides/slide8.xml><?xml version="1.0" encoding="utf-8"?>
+<file path=ppt/slides/slide9.xml><?xml version="1.0" encoding="utf-8"?>
 <p:sld xmlns:a="http://schemas.openxmlformats.org/drawingml/2006/main" xmlns:r="http://schemas.openxmlformats.org/officeDocument/2006/relationships" xmlns:p="http://schemas.openxmlformats.org/presentationml/2006/main" showMasterSp="0">
   <p:cSld>
     <p:spTree>
@@ -7142,7 +7390,7 @@
             <a:fld id="{4BDAF3FE-F4ED-40E0-8515-1C336F67AAE4}" type="slidenum">
               <a:rPr lang="en-US"/>
               <a:pPr/>
-              <a:t>8</a:t>
+              <a:t>9</a:t>
             </a:fld>
             <a:endParaRPr lang="en-US"/>
           </a:p>
@@ -7215,285 +7463,6 @@
         <p:cTn id="1" dur="indefinite" restart="never" nodeType="tmRoot"/>
       </p:par>
     </p:tnLst>
-  </p:timing>
-</p:sld>
-</file>
-
-<file path=ppt/slides/slide9.xml><?xml version="1.0" encoding="utf-8"?>
-<p:sld xmlns:a="http://schemas.openxmlformats.org/drawingml/2006/main" xmlns:r="http://schemas.openxmlformats.org/officeDocument/2006/relationships" xmlns:p="http://schemas.openxmlformats.org/presentationml/2006/main" showMasterSp="0">
-  <p:cSld>
-    <p:spTree>
-      <p:nvGrpSpPr>
-        <p:cNvPr id="1" name=""/>
-        <p:cNvGrpSpPr/>
-        <p:nvPr/>
-      </p:nvGrpSpPr>
-      <p:grpSpPr>
-        <a:xfrm>
-          <a:off x="0" y="0"/>
-          <a:ext cx="0" cy="0"/>
-          <a:chOff x="0" y="0"/>
-          <a:chExt cx="0" cy="0"/>
-        </a:xfrm>
-      </p:grpSpPr>
-      <p:sp>
-        <p:nvSpPr>
-          <p:cNvPr id="5" name="Footer Placeholder 3"/>
-          <p:cNvSpPr>
-            <a:spLocks noGrp="1"/>
-          </p:cNvSpPr>
-          <p:nvPr>
-            <p:ph type="ftr" sz="quarter" idx="10"/>
-          </p:nvPr>
-        </p:nvSpPr>
-        <p:spPr/>
-        <p:txBody>
-          <a:bodyPr/>
-          <a:lstStyle/>
-          <a:p>
-            <a:r>
-              <a:rPr lang="en-US" smtClean="0"/>
-              <a:t>MNAFS 2013 - Growth</a:t>
-            </a:r>
-            <a:endParaRPr lang="en-US"/>
-          </a:p>
-        </p:txBody>
-      </p:sp>
-      <p:sp>
-        <p:nvSpPr>
-          <p:cNvPr id="6" name="Slide Number Placeholder 4"/>
-          <p:cNvSpPr>
-            <a:spLocks noGrp="1"/>
-          </p:cNvSpPr>
-          <p:nvPr>
-            <p:ph type="sldNum" sz="quarter" idx="11"/>
-          </p:nvPr>
-        </p:nvSpPr>
-        <p:spPr/>
-        <p:txBody>
-          <a:bodyPr/>
-          <a:lstStyle/>
-          <a:p>
-            <a:fld id="{4BDAF3FE-F4ED-40E0-8515-1C336F67AAE4}" type="slidenum">
-              <a:rPr lang="en-US"/>
-              <a:pPr/>
-              <a:t>9</a:t>
-            </a:fld>
-            <a:endParaRPr lang="en-US"/>
-          </a:p>
-        </p:txBody>
-      </p:sp>
-      <p:sp>
-        <p:nvSpPr>
-          <p:cNvPr id="418818" name="Rectangle 2"/>
-          <p:cNvSpPr>
-            <a:spLocks noGrp="1" noChangeArrowheads="1"/>
-          </p:cNvSpPr>
-          <p:nvPr>
-            <p:ph type="title"/>
-          </p:nvPr>
-        </p:nvSpPr>
-        <p:spPr/>
-        <p:txBody>
-          <a:bodyPr/>
-          <a:lstStyle/>
-          <a:p>
-            <a:r>
-              <a:rPr lang="en-US" dirty="0"/>
-              <a:t>Von Bertalanffy </a:t>
-            </a:r>
-            <a:r>
-              <a:rPr lang="en-US" dirty="0" smtClean="0"/>
-              <a:t>– Francis</a:t>
-            </a:r>
-            <a:endParaRPr lang="en-US" dirty="0"/>
-          </a:p>
-        </p:txBody>
-      </p:sp>
-      <p:sp>
-        <p:nvSpPr>
-          <p:cNvPr id="418819" name="Rectangle 3"/>
-          <p:cNvSpPr>
-            <a:spLocks noGrp="1" noChangeArrowheads="1"/>
-          </p:cNvSpPr>
-          <p:nvPr>
-            <p:ph type="body" idx="1"/>
-          </p:nvPr>
-        </p:nvSpPr>
-        <p:spPr>
-          <a:xfrm>
-            <a:off x="65088" y="1066800"/>
-            <a:ext cx="9078912" cy="5562600"/>
-          </a:xfrm>
-        </p:spPr>
-        <p:txBody>
-          <a:bodyPr/>
-          <a:lstStyle/>
-          <a:p>
-            <a:pPr>
-              <a:lnSpc>
-                <a:spcPct val="90000"/>
-              </a:lnSpc>
-            </a:pPr>
-            <a:r>
-              <a:rPr lang="en-US" dirty="0"/>
-              <a:t> </a:t>
-            </a:r>
-            <a:r>
-              <a:rPr lang="en-US" dirty="0" smtClean="0"/>
-              <a:t>A </a:t>
-            </a:r>
-            <a:r>
-              <a:rPr lang="en-US" dirty="0" err="1" smtClean="0"/>
-              <a:t>reparameterization</a:t>
-            </a:r>
-            <a:endParaRPr lang="en-US" dirty="0" smtClean="0"/>
-          </a:p>
-          <a:p>
-            <a:pPr>
-              <a:lnSpc>
-                <a:spcPct val="90000"/>
-              </a:lnSpc>
-            </a:pPr>
-            <a:endParaRPr lang="en-US" dirty="0"/>
-          </a:p>
-          <a:p>
-            <a:pPr>
-              <a:lnSpc>
-                <a:spcPct val="90000"/>
-              </a:lnSpc>
-            </a:pPr>
-            <a:r>
-              <a:rPr lang="en-US" dirty="0" smtClean="0"/>
-              <a:t>Goals</a:t>
-            </a:r>
-          </a:p>
-          <a:p>
-            <a:pPr lvl="1">
-              <a:lnSpc>
-                <a:spcPct val="90000"/>
-              </a:lnSpc>
-            </a:pPr>
-            <a:r>
-              <a:rPr lang="en-US" dirty="0" smtClean="0"/>
-              <a:t>Better model fitting</a:t>
-            </a:r>
-          </a:p>
-          <a:p>
-            <a:pPr lvl="2">
-              <a:lnSpc>
-                <a:spcPct val="90000"/>
-              </a:lnSpc>
-            </a:pPr>
-            <a:r>
-              <a:rPr lang="en-US" dirty="0" smtClean="0"/>
-              <a:t>Reduce correlation among parameters &amp; scale difference</a:t>
-            </a:r>
-          </a:p>
-          <a:p>
-            <a:pPr lvl="1">
-              <a:lnSpc>
-                <a:spcPct val="90000"/>
-              </a:lnSpc>
-            </a:pPr>
-            <a:r>
-              <a:rPr lang="en-US" dirty="0" smtClean="0"/>
-              <a:t>Easier interpretation</a:t>
-            </a:r>
-          </a:p>
-        </p:txBody>
-      </p:sp>
-    </p:spTree>
-    <p:extLst>
-      <p:ext uri="{BB962C8B-B14F-4D97-AF65-F5344CB8AC3E}">
-        <p14:creationId xmlns:p14="http://schemas.microsoft.com/office/powerpoint/2010/main" val="3253704358"/>
-      </p:ext>
-    </p:extLst>
-  </p:cSld>
-  <p:clrMapOvr>
-    <a:masterClrMapping/>
-  </p:clrMapOvr>
-  <p:timing>
-    <p:tnLst>
-      <p:par>
-        <p:cTn id="1" dur="indefinite" restart="never" nodeType="tmRoot">
-          <p:childTnLst>
-            <p:seq concurrent="1" nextAc="seek">
-              <p:cTn id="2" dur="indefinite" nodeType="mainSeq">
-                <p:childTnLst>
-                  <p:par>
-                    <p:cTn id="3" fill="hold">
-                      <p:stCondLst>
-                        <p:cond delay="indefinite"/>
-                      </p:stCondLst>
-                      <p:childTnLst>
-                        <p:par>
-                          <p:cTn id="4" fill="hold">
-                            <p:stCondLst>
-                              <p:cond delay="0"/>
-                            </p:stCondLst>
-                            <p:childTnLst>
-                              <p:par>
-                                <p:cTn id="5" presetID="1" presetClass="entr" presetSubtype="0" fill="hold" grpId="0" nodeType="clickEffect">
-                                  <p:stCondLst>
-                                    <p:cond delay="0"/>
-                                  </p:stCondLst>
-                                  <p:childTnLst>
-                                    <p:set>
-                                      <p:cBhvr>
-                                        <p:cTn id="6" dur="1" fill="hold">
-                                          <p:stCondLst>
-                                            <p:cond delay="0"/>
-                                          </p:stCondLst>
-                                        </p:cTn>
-                                        <p:tgtEl>
-                                          <p:spTgt spid="418819">
-                                            <p:txEl>
-                                              <p:pRg st="5" end="5"/>
-                                            </p:txEl>
-                                          </p:spTgt>
-                                        </p:tgtEl>
-                                        <p:attrNameLst>
-                                          <p:attrName>style.visibility</p:attrName>
-                                        </p:attrNameLst>
-                                      </p:cBhvr>
-                                      <p:to>
-                                        <p:strVal val="visible"/>
-                                      </p:to>
-                                    </p:set>
-                                  </p:childTnLst>
-                                </p:cTn>
-                              </p:par>
-                            </p:childTnLst>
-                          </p:cTn>
-                        </p:par>
-                      </p:childTnLst>
-                    </p:cTn>
-                  </p:par>
-                </p:childTnLst>
-              </p:cTn>
-              <p:prevCondLst>
-                <p:cond evt="onPrev" delay="0">
-                  <p:tgtEl>
-                    <p:sldTgt/>
-                  </p:tgtEl>
-                </p:cond>
-              </p:prevCondLst>
-              <p:nextCondLst>
-                <p:cond evt="onNext" delay="0">
-                  <p:tgtEl>
-                    <p:sldTgt/>
-                  </p:tgtEl>
-                </p:cond>
-              </p:nextCondLst>
-            </p:seq>
-          </p:childTnLst>
-        </p:cTn>
-      </p:par>
-    </p:tnLst>
-    <p:bldLst>
-      <p:bldP spid="418819" grpId="0" uiExpand="1" build="p"/>
-    </p:bldLst>
   </p:timing>
 </p:sld>
 </file>

--- a/Slides/04_Growth.pptx
+++ b/Slides/04_Growth.pptx
@@ -4130,7 +4130,7 @@
 </file>
 
 <file path=ppt/slides/slide10.xml><?xml version="1.0" encoding="utf-8"?>
-<p:sld xmlns:a="http://schemas.openxmlformats.org/drawingml/2006/main" xmlns:r="http://schemas.openxmlformats.org/officeDocument/2006/relationships" xmlns:p="http://schemas.openxmlformats.org/presentationml/2006/main" showMasterSp="0">
+<p:sld xmlns:a="http://schemas.openxmlformats.org/drawingml/2006/main" xmlns:r="http://schemas.openxmlformats.org/officeDocument/2006/relationships" xmlns:p="http://schemas.openxmlformats.org/presentationml/2006/main" showMasterSp="0" show="0">
   <p:cSld>
     <p:spTree>
       <p:nvGrpSpPr>
@@ -4323,6 +4323,14 @@
   <p:clrMapOvr>
     <a:masterClrMapping/>
   </p:clrMapOvr>
+  <mc:AlternateContent xmlns:mc="http://schemas.openxmlformats.org/markup-compatibility/2006">
+    <mc:Choice xmlns:p14="http://schemas.microsoft.com/office/powerpoint/2010/main" Requires="p14">
+      <p:transition spd="slow" p14:dur="2000"/>
+    </mc:Choice>
+    <mc:Fallback>
+      <p:transition spd="slow"/>
+    </mc:Fallback>
+  </mc:AlternateContent>
   <p:timing>
     <p:tnLst>
       <p:par>
@@ -5523,7 +5531,6 @@
               <a:rPr lang="en-US" dirty="0" smtClean="0"/>
               <a:t>log(2)/K is “half-life”</a:t>
             </a:r>
-            <a:endParaRPr lang="en-US" dirty="0" smtClean="0"/>
           </a:p>
           <a:p>
             <a:pPr lvl="1">
@@ -6675,7 +6682,11 @@
           <a:bodyPr/>
           <a:lstStyle/>
           <a:p>
-            <a:endParaRPr lang="en-US"/>
+            <a:r>
+              <a:rPr lang="en-US" dirty="0" smtClean="0"/>
+              <a:t>Examine Handout</a:t>
+            </a:r>
+            <a:endParaRPr lang="en-US" dirty="0"/>
           </a:p>
         </p:txBody>
       </p:sp>
@@ -6689,12 +6700,55 @@
             <p:ph idx="1"/>
           </p:nvPr>
         </p:nvSpPr>
-        <p:spPr/>
+        <p:spPr>
+          <a:xfrm>
+            <a:off x="457200" y="3352800"/>
+            <a:ext cx="8458200" cy="2209800"/>
+          </a:xfrm>
+        </p:spPr>
         <p:txBody>
           <a:bodyPr/>
           <a:lstStyle/>
           <a:p>
-            <a:endParaRPr lang="en-US"/>
+            <a:r>
+              <a:rPr lang="en-US" dirty="0" smtClean="0"/>
+              <a:t>Complete Exercise 12.3</a:t>
+            </a:r>
+          </a:p>
+          <a:p>
+            <a:r>
+              <a:rPr lang="en-US" dirty="0" smtClean="0"/>
+              <a:t>(</a:t>
+            </a:r>
+            <a:r>
+              <a:rPr lang="en-US" b="1" dirty="0" smtClean="0">
+                <a:solidFill>
+                  <a:srgbClr val="C00000"/>
+                </a:solidFill>
+              </a:rPr>
+              <a:t>Time Permitting</a:t>
+            </a:r>
+            <a:r>
+              <a:rPr lang="en-US" dirty="0" smtClean="0"/>
+              <a:t>) Complete Exercise 12.4 (</a:t>
+            </a:r>
+            <a:r>
+              <a:rPr lang="en-US" i="1" dirty="0" smtClean="0"/>
+              <a:t>may </a:t>
+            </a:r>
+            <a:r>
+              <a:rPr lang="en-US" i="1" smtClean="0"/>
+              <a:t>need minor </a:t>
+            </a:r>
+            <a:r>
+              <a:rPr lang="en-US" i="1" dirty="0" smtClean="0"/>
+              <a:t>additional instruction</a:t>
+            </a:r>
+            <a:r>
+              <a:rPr lang="en-US" dirty="0" smtClean="0"/>
+              <a:t>) or Exercise 12.1</a:t>
+            </a:r>
+            <a:endParaRPr lang="en-US" dirty="0"/>
           </a:p>
         </p:txBody>
       </p:sp>
@@ -6742,6 +6796,176 @@
               <a:t>7</a:t>
             </a:fld>
             <a:endParaRPr lang="en-US"/>
+          </a:p>
+        </p:txBody>
+      </p:sp>
+      <p:sp>
+        <p:nvSpPr>
+          <p:cNvPr id="6" name="Title 1"/>
+          <p:cNvSpPr txBox="1">
+            <a:spLocks/>
+          </p:cNvSpPr>
+          <p:nvPr/>
+        </p:nvSpPr>
+        <p:spPr bwMode="auto">
+          <a:xfrm>
+            <a:off x="76200" y="2408238"/>
+            <a:ext cx="9012237" cy="868362"/>
+          </a:xfrm>
+          <a:prstGeom prst="rect">
+            <a:avLst/>
+          </a:prstGeom>
+          <a:noFill/>
+          <a:ln w="9525">
+            <a:noFill/>
+            <a:miter lim="800000"/>
+            <a:headEnd/>
+            <a:tailEnd/>
+          </a:ln>
+          <a:effectLst/>
+        </p:spPr>
+        <p:txBody>
+          <a:bodyPr vert="horz" wrap="square" lIns="91440" tIns="45720" rIns="91440" bIns="45720" numCol="1" anchor="ctr" anchorCtr="0" compatLnSpc="1">
+            <a:prstTxWarp prst="textNoShape">
+              <a:avLst/>
+            </a:prstTxWarp>
+          </a:bodyPr>
+          <a:lstStyle>
+            <a:lvl1pPr algn="ctr" rtl="0" fontAlgn="base">
+              <a:spcBef>
+                <a:spcPct val="0"/>
+              </a:spcBef>
+              <a:spcAft>
+                <a:spcPct val="0"/>
+              </a:spcAft>
+              <a:defRPr sz="4400">
+                <a:solidFill>
+                  <a:schemeClr val="tx2"/>
+                </a:solidFill>
+                <a:latin typeface="+mj-lt"/>
+                <a:ea typeface="+mj-ea"/>
+                <a:cs typeface="+mj-cs"/>
+              </a:defRPr>
+            </a:lvl1pPr>
+            <a:lvl2pPr algn="ctr" rtl="0" fontAlgn="base">
+              <a:spcBef>
+                <a:spcPct val="0"/>
+              </a:spcBef>
+              <a:spcAft>
+                <a:spcPct val="0"/>
+              </a:spcAft>
+              <a:defRPr sz="4400">
+                <a:solidFill>
+                  <a:schemeClr val="tx2"/>
+                </a:solidFill>
+                <a:latin typeface="Arial" charset="0"/>
+              </a:defRPr>
+            </a:lvl2pPr>
+            <a:lvl3pPr algn="ctr" rtl="0" fontAlgn="base">
+              <a:spcBef>
+                <a:spcPct val="0"/>
+              </a:spcBef>
+              <a:spcAft>
+                <a:spcPct val="0"/>
+              </a:spcAft>
+              <a:defRPr sz="4400">
+                <a:solidFill>
+                  <a:schemeClr val="tx2"/>
+                </a:solidFill>
+                <a:latin typeface="Arial" charset="0"/>
+              </a:defRPr>
+            </a:lvl3pPr>
+            <a:lvl4pPr algn="ctr" rtl="0" fontAlgn="base">
+              <a:spcBef>
+                <a:spcPct val="0"/>
+              </a:spcBef>
+              <a:spcAft>
+                <a:spcPct val="0"/>
+              </a:spcAft>
+              <a:defRPr sz="4400">
+                <a:solidFill>
+                  <a:schemeClr val="tx2"/>
+                </a:solidFill>
+                <a:latin typeface="Arial" charset="0"/>
+              </a:defRPr>
+            </a:lvl4pPr>
+            <a:lvl5pPr algn="ctr" rtl="0" fontAlgn="base">
+              <a:spcBef>
+                <a:spcPct val="0"/>
+              </a:spcBef>
+              <a:spcAft>
+                <a:spcPct val="0"/>
+              </a:spcAft>
+              <a:defRPr sz="4400">
+                <a:solidFill>
+                  <a:schemeClr val="tx2"/>
+                </a:solidFill>
+                <a:latin typeface="Arial" charset="0"/>
+              </a:defRPr>
+            </a:lvl5pPr>
+            <a:lvl6pPr marL="457200" algn="ctr" rtl="0" fontAlgn="base">
+              <a:spcBef>
+                <a:spcPct val="0"/>
+              </a:spcBef>
+              <a:spcAft>
+                <a:spcPct val="0"/>
+              </a:spcAft>
+              <a:defRPr sz="4400">
+                <a:solidFill>
+                  <a:schemeClr val="tx2"/>
+                </a:solidFill>
+                <a:latin typeface="Arial" charset="0"/>
+              </a:defRPr>
+            </a:lvl6pPr>
+            <a:lvl7pPr marL="914400" algn="ctr" rtl="0" fontAlgn="base">
+              <a:spcBef>
+                <a:spcPct val="0"/>
+              </a:spcBef>
+              <a:spcAft>
+                <a:spcPct val="0"/>
+              </a:spcAft>
+              <a:defRPr sz="4400">
+                <a:solidFill>
+                  <a:schemeClr val="tx2"/>
+                </a:solidFill>
+                <a:latin typeface="Arial" charset="0"/>
+              </a:defRPr>
+            </a:lvl7pPr>
+            <a:lvl8pPr marL="1371600" algn="ctr" rtl="0" fontAlgn="base">
+              <a:spcBef>
+                <a:spcPct val="0"/>
+              </a:spcBef>
+              <a:spcAft>
+                <a:spcPct val="0"/>
+              </a:spcAft>
+              <a:defRPr sz="4400">
+                <a:solidFill>
+                  <a:schemeClr val="tx2"/>
+                </a:solidFill>
+                <a:latin typeface="Arial" charset="0"/>
+              </a:defRPr>
+            </a:lvl8pPr>
+            <a:lvl9pPr marL="1828800" algn="ctr" rtl="0" fontAlgn="base">
+              <a:spcBef>
+                <a:spcPct val="0"/>
+              </a:spcBef>
+              <a:spcAft>
+                <a:spcPct val="0"/>
+              </a:spcAft>
+              <a:defRPr sz="4400">
+                <a:solidFill>
+                  <a:schemeClr val="tx2"/>
+                </a:solidFill>
+                <a:latin typeface="Arial" charset="0"/>
+              </a:defRPr>
+            </a:lvl9pPr>
+          </a:lstStyle>
+          <a:p>
+            <a:r>
+              <a:rPr lang="en-US" b="0" kern="0" dirty="0" smtClean="0"/>
+              <a:t>Growth Fitting Exercises</a:t>
+            </a:r>
+            <a:endParaRPr lang="en-US" b="0" kern="0" dirty="0"/>
           </a:p>
         </p:txBody>
       </p:sp>
@@ -6755,11 +6979,244 @@
   <p:clrMapOvr>
     <a:masterClrMapping/>
   </p:clrMapOvr>
+  <p:timing>
+    <p:tnLst>
+      <p:par>
+        <p:cTn id="1" dur="indefinite" restart="never" nodeType="tmRoot">
+          <p:childTnLst>
+            <p:seq concurrent="1" nextAc="seek">
+              <p:cTn id="2" dur="indefinite" nodeType="mainSeq">
+                <p:childTnLst>
+                  <p:par>
+                    <p:cTn id="3" fill="hold">
+                      <p:stCondLst>
+                        <p:cond delay="indefinite"/>
+                        <p:cond evt="onBegin" delay="0">
+                          <p:tn val="2"/>
+                        </p:cond>
+                      </p:stCondLst>
+                      <p:childTnLst>
+                        <p:par>
+                          <p:cTn id="4" fill="hold">
+                            <p:stCondLst>
+                              <p:cond delay="0"/>
+                            </p:stCondLst>
+                            <p:childTnLst>
+                              <p:par>
+                                <p:cTn id="5" presetID="1" presetClass="entr" presetSubtype="0" fill="hold" grpId="0" nodeType="withEffect">
+                                  <p:stCondLst>
+                                    <p:cond delay="0"/>
+                                  </p:stCondLst>
+                                  <p:childTnLst>
+                                    <p:set>
+                                      <p:cBhvr>
+                                        <p:cTn id="6" dur="1" fill="hold">
+                                          <p:stCondLst>
+                                            <p:cond delay="0"/>
+                                          </p:stCondLst>
+                                        </p:cTn>
+                                        <p:tgtEl>
+                                          <p:spTgt spid="2"/>
+                                        </p:tgtEl>
+                                        <p:attrNameLst>
+                                          <p:attrName>style.visibility</p:attrName>
+                                        </p:attrNameLst>
+                                      </p:cBhvr>
+                                      <p:to>
+                                        <p:strVal val="visible"/>
+                                      </p:to>
+                                    </p:set>
+                                  </p:childTnLst>
+                                  <p:subTnLst>
+                                    <p:animClr clrSpc="rgb" dir="cw">
+                                      <p:cBhvr override="childStyle">
+                                        <p:cTn dur="1" fill="hold" display="0" masterRel="nextClick" afterEffect="1"/>
+                                        <p:tgtEl>
+                                          <p:spTgt spid="2"/>
+                                        </p:tgtEl>
+                                        <p:attrNameLst>
+                                          <p:attrName>ppt_c</p:attrName>
+                                        </p:attrNameLst>
+                                      </p:cBhvr>
+                                      <p:to>
+                                        <a:srgbClr val="C0C0C0"/>
+                                      </p:to>
+                                    </p:animClr>
+                                  </p:subTnLst>
+                                </p:cTn>
+                              </p:par>
+                            </p:childTnLst>
+                          </p:cTn>
+                        </p:par>
+                      </p:childTnLst>
+                    </p:cTn>
+                  </p:par>
+                  <p:par>
+                    <p:cTn id="7" fill="hold">
+                      <p:stCondLst>
+                        <p:cond delay="indefinite"/>
+                      </p:stCondLst>
+                      <p:childTnLst>
+                        <p:par>
+                          <p:cTn id="8" fill="hold">
+                            <p:stCondLst>
+                              <p:cond delay="0"/>
+                            </p:stCondLst>
+                            <p:childTnLst>
+                              <p:par>
+                                <p:cTn id="9" presetID="1" presetClass="entr" presetSubtype="0" fill="hold" grpId="0" nodeType="clickEffect">
+                                  <p:stCondLst>
+                                    <p:cond delay="0"/>
+                                  </p:stCondLst>
+                                  <p:childTnLst>
+                                    <p:set>
+                                      <p:cBhvr>
+                                        <p:cTn id="10" dur="1" fill="hold">
+                                          <p:stCondLst>
+                                            <p:cond delay="0"/>
+                                          </p:stCondLst>
+                                        </p:cTn>
+                                        <p:tgtEl>
+                                          <p:spTgt spid="3">
+                                            <p:txEl>
+                                              <p:pRg st="0" end="0"/>
+                                            </p:txEl>
+                                          </p:spTgt>
+                                        </p:tgtEl>
+                                        <p:attrNameLst>
+                                          <p:attrName>style.visibility</p:attrName>
+                                        </p:attrNameLst>
+                                      </p:cBhvr>
+                                      <p:to>
+                                        <p:strVal val="visible"/>
+                                      </p:to>
+                                    </p:set>
+                                  </p:childTnLst>
+                                </p:cTn>
+                              </p:par>
+                            </p:childTnLst>
+                          </p:cTn>
+                        </p:par>
+                      </p:childTnLst>
+                    </p:cTn>
+                  </p:par>
+                  <p:par>
+                    <p:cTn id="11" fill="hold">
+                      <p:stCondLst>
+                        <p:cond delay="indefinite"/>
+                      </p:stCondLst>
+                      <p:childTnLst>
+                        <p:par>
+                          <p:cTn id="12" fill="hold">
+                            <p:stCondLst>
+                              <p:cond delay="0"/>
+                            </p:stCondLst>
+                            <p:childTnLst>
+                              <p:par>
+                                <p:cTn id="13" presetID="1" presetClass="entr" presetSubtype="0" fill="hold" grpId="0" nodeType="clickEffect">
+                                  <p:stCondLst>
+                                    <p:cond delay="0"/>
+                                  </p:stCondLst>
+                                  <p:childTnLst>
+                                    <p:set>
+                                      <p:cBhvr>
+                                        <p:cTn id="14" dur="1" fill="hold">
+                                          <p:stCondLst>
+                                            <p:cond delay="0"/>
+                                          </p:stCondLst>
+                                        </p:cTn>
+                                        <p:tgtEl>
+                                          <p:spTgt spid="3">
+                                            <p:txEl>
+                                              <p:pRg st="1" end="1"/>
+                                            </p:txEl>
+                                          </p:spTgt>
+                                        </p:tgtEl>
+                                        <p:attrNameLst>
+                                          <p:attrName>style.visibility</p:attrName>
+                                        </p:attrNameLst>
+                                      </p:cBhvr>
+                                      <p:to>
+                                        <p:strVal val="visible"/>
+                                      </p:to>
+                                    </p:set>
+                                  </p:childTnLst>
+                                </p:cTn>
+                              </p:par>
+                            </p:childTnLst>
+                          </p:cTn>
+                        </p:par>
+                        <p:par>
+                          <p:cTn id="15" fill="hold">
+                            <p:stCondLst>
+                              <p:cond delay="0"/>
+                            </p:stCondLst>
+                            <p:childTnLst>
+                              <p:par>
+                                <p:cTn id="16" presetID="1" presetClass="entr" presetSubtype="0" fill="hold" grpId="0" nodeType="afterEffect">
+                                  <p:stCondLst>
+                                    <p:cond delay="0"/>
+                                  </p:stCondLst>
+                                  <p:childTnLst>
+                                    <p:set>
+                                      <p:cBhvr>
+                                        <p:cTn id="17" dur="1" fill="hold">
+                                          <p:stCondLst>
+                                            <p:cond delay="0"/>
+                                          </p:stCondLst>
+                                        </p:cTn>
+                                        <p:tgtEl>
+                                          <p:spTgt spid="6"/>
+                                        </p:tgtEl>
+                                        <p:attrNameLst>
+                                          <p:attrName>style.visibility</p:attrName>
+                                        </p:attrNameLst>
+                                      </p:cBhvr>
+                                      <p:to>
+                                        <p:strVal val="visible"/>
+                                      </p:to>
+                                    </p:set>
+                                  </p:childTnLst>
+                                </p:cTn>
+                              </p:par>
+                            </p:childTnLst>
+                          </p:cTn>
+                        </p:par>
+                      </p:childTnLst>
+                    </p:cTn>
+                  </p:par>
+                </p:childTnLst>
+              </p:cTn>
+              <p:prevCondLst>
+                <p:cond evt="onPrev" delay="0">
+                  <p:tgtEl>
+                    <p:sldTgt/>
+                  </p:tgtEl>
+                </p:cond>
+              </p:prevCondLst>
+              <p:nextCondLst>
+                <p:cond evt="onNext" delay="0">
+                  <p:tgtEl>
+                    <p:sldTgt/>
+                  </p:tgtEl>
+                </p:cond>
+              </p:nextCondLst>
+            </p:seq>
+          </p:childTnLst>
+        </p:cTn>
+      </p:par>
+    </p:tnLst>
+    <p:bldLst>
+      <p:bldP spid="2" grpId="0"/>
+      <p:bldP spid="3" grpId="0" build="p"/>
+      <p:bldP spid="6" grpId="0"/>
+    </p:bldLst>
+  </p:timing>
 </p:sld>
 </file>
 
 <file path=ppt/slides/slide8.xml><?xml version="1.0" encoding="utf-8"?>
-<p:sld xmlns:a="http://schemas.openxmlformats.org/drawingml/2006/main" xmlns:r="http://schemas.openxmlformats.org/officeDocument/2006/relationships" xmlns:p="http://schemas.openxmlformats.org/presentationml/2006/main" showMasterSp="0">
+<p:sld xmlns:a="http://schemas.openxmlformats.org/drawingml/2006/main" xmlns:r="http://schemas.openxmlformats.org/officeDocument/2006/relationships" xmlns:p="http://schemas.openxmlformats.org/presentationml/2006/main" showMasterSp="0" show="0">
   <p:cSld>
     <p:spTree>
       <p:nvGrpSpPr>
@@ -7118,6 +7575,14 @@
   <p:clrMapOvr>
     <a:masterClrMapping/>
   </p:clrMapOvr>
+  <mc:AlternateContent xmlns:mc="http://schemas.openxmlformats.org/markup-compatibility/2006">
+    <mc:Choice xmlns:p14="http://schemas.microsoft.com/office/powerpoint/2010/main" Requires="p14">
+      <p:transition spd="slow" p14:dur="2000"/>
+    </mc:Choice>
+    <mc:Fallback>
+      <p:transition spd="slow"/>
+    </mc:Fallback>
+  </mc:AlternateContent>
   <p:timing>
     <p:tnLst>
       <p:par>
@@ -7333,7 +7798,7 @@
 </file>
 
 <file path=ppt/slides/slide9.xml><?xml version="1.0" encoding="utf-8"?>
-<p:sld xmlns:a="http://schemas.openxmlformats.org/drawingml/2006/main" xmlns:r="http://schemas.openxmlformats.org/officeDocument/2006/relationships" xmlns:p="http://schemas.openxmlformats.org/presentationml/2006/main" showMasterSp="0">
+<p:sld xmlns:a="http://schemas.openxmlformats.org/drawingml/2006/main" xmlns:r="http://schemas.openxmlformats.org/officeDocument/2006/relationships" xmlns:p="http://schemas.openxmlformats.org/presentationml/2006/main" showMasterSp="0" show="0">
   <p:cSld>
     <p:spTree>
       <p:nvGrpSpPr>
@@ -7457,6 +7922,14 @@
   <p:clrMapOvr>
     <a:masterClrMapping/>
   </p:clrMapOvr>
+  <mc:AlternateContent xmlns:mc="http://schemas.openxmlformats.org/markup-compatibility/2006">
+    <mc:Choice xmlns:p14="http://schemas.microsoft.com/office/powerpoint/2010/main" Requires="p14">
+      <p:transition spd="slow" p14:dur="2000"/>
+    </mc:Choice>
+    <mc:Fallback>
+      <p:transition spd="slow"/>
+    </mc:Fallback>
+  </mc:AlternateContent>
   <p:timing>
     <p:tnLst>
       <p:par>

--- a/Slides/04_Growth.pptx
+++ b/Slides/04_Growth.pptx
@@ -1284,7 +1284,7 @@
           <a:p>
             <a:r>
               <a:rPr lang="en-US" smtClean="0"/>
-              <a:t>MNAFS 2013 - Growth</a:t>
+              <a:t>AFS15 - Growth</a:t>
             </a:r>
             <a:endParaRPr lang="en-US"/>
           </a:p>
@@ -1439,7 +1439,7 @@
           <a:p>
             <a:r>
               <a:rPr lang="en-US" smtClean="0"/>
-              <a:t>MNAFS 2013 - Growth</a:t>
+              <a:t>AFS15 - Growth</a:t>
             </a:r>
             <a:endParaRPr lang="en-US"/>
           </a:p>
@@ -1604,7 +1604,7 @@
           <a:p>
             <a:r>
               <a:rPr lang="en-US" smtClean="0"/>
-              <a:t>MNAFS 2013 - Growth</a:t>
+              <a:t>AFS15 - Growth</a:t>
             </a:r>
             <a:endParaRPr lang="en-US"/>
           </a:p>
@@ -1775,7 +1775,7 @@
           <a:p>
             <a:r>
               <a:rPr lang="en-US" smtClean="0"/>
-              <a:t>MNAFS 2013 - Growth</a:t>
+              <a:t>AFS15 - Growth</a:t>
             </a:r>
             <a:endParaRPr lang="en-US"/>
           </a:p>
@@ -1952,7 +1952,7 @@
           <a:p>
             <a:r>
               <a:rPr lang="en-US" smtClean="0"/>
-              <a:t>MNAFS 2013 - Growth</a:t>
+              <a:t>AFS15 - Growth</a:t>
             </a:r>
             <a:endParaRPr lang="en-US"/>
           </a:p>
@@ -2225,7 +2225,7 @@
           <a:p>
             <a:r>
               <a:rPr lang="en-US" smtClean="0"/>
-              <a:t>MNAFS 2013 - Growth</a:t>
+              <a:t>AFS15 - Growth</a:t>
             </a:r>
             <a:endParaRPr lang="en-US"/>
           </a:p>
@@ -2637,7 +2637,7 @@
           <a:p>
             <a:r>
               <a:rPr lang="en-US" smtClean="0"/>
-              <a:t>MNAFS 2013 - Growth</a:t>
+              <a:t>AFS15 - Growth</a:t>
             </a:r>
             <a:endParaRPr lang="en-US"/>
           </a:p>
@@ -2740,7 +2740,7 @@
           <a:p>
             <a:r>
               <a:rPr lang="en-US" smtClean="0"/>
-              <a:t>MNAFS 2013 - Growth</a:t>
+              <a:t>AFS15 - Growth</a:t>
             </a:r>
             <a:endParaRPr lang="en-US"/>
           </a:p>
@@ -2820,7 +2820,7 @@
           <a:p>
             <a:r>
               <a:rPr lang="en-US" smtClean="0"/>
-              <a:t>MNAFS 2013 - Growth</a:t>
+              <a:t>AFS15 - Growth</a:t>
             </a:r>
             <a:endParaRPr lang="en-US"/>
           </a:p>
@@ -3082,7 +3082,7 @@
           <a:p>
             <a:r>
               <a:rPr lang="en-US" smtClean="0"/>
-              <a:t>MNAFS 2013 - Growth</a:t>
+              <a:t>AFS15 - Growth</a:t>
             </a:r>
             <a:endParaRPr lang="en-US"/>
           </a:p>
@@ -3320,7 +3320,7 @@
           <a:p>
             <a:r>
               <a:rPr lang="en-US" smtClean="0"/>
-              <a:t>MNAFS 2013 - Growth</a:t>
+              <a:t>AFS15 - Growth</a:t>
             </a:r>
             <a:endParaRPr lang="en-US"/>
           </a:p>
@@ -3595,7 +3595,7 @@
           <a:p>
             <a:r>
               <a:rPr lang="en-US" smtClean="0"/>
-              <a:t>MNAFS 2013 - Growth</a:t>
+              <a:t>AFS15 - Growth</a:t>
             </a:r>
             <a:endParaRPr lang="en-US"/>
           </a:p>
@@ -4163,7 +4163,7 @@
           <a:p>
             <a:r>
               <a:rPr lang="en-US" smtClean="0"/>
-              <a:t>MNAFS 2013 - Growth</a:t>
+              <a:t>AFS15 - Growth</a:t>
             </a:r>
             <a:endParaRPr lang="en-US"/>
           </a:p>
@@ -4323,11 +4323,11 @@
   <p:clrMapOvr>
     <a:masterClrMapping/>
   </p:clrMapOvr>
-  <mc:AlternateContent xmlns:mc="http://schemas.openxmlformats.org/markup-compatibility/2006">
-    <mc:Choice xmlns:p14="http://schemas.microsoft.com/office/powerpoint/2010/main" Requires="p14">
+  <mc:AlternateContent xmlns:mc="http://schemas.openxmlformats.org/markup-compatibility/2006" xmlns:p14="http://schemas.microsoft.com/office/powerpoint/2010/main">
+    <mc:Choice Requires="p14">
       <p:transition spd="slow" p14:dur="2000"/>
     </mc:Choice>
-    <mc:Fallback>
+    <mc:Fallback xmlns="">
       <p:transition spd="slow"/>
     </mc:Fallback>
   </mc:AlternateContent>
@@ -4450,7 +4450,7 @@
           <a:p>
             <a:r>
               <a:rPr lang="en-US" smtClean="0"/>
-              <a:t>MNAFS 2013 - Growth</a:t>
+              <a:t>AFS15 - Growth</a:t>
             </a:r>
             <a:endParaRPr lang="en-US"/>
           </a:p>
@@ -4983,7 +4983,7 @@
           <a:p>
             <a:r>
               <a:rPr lang="en-US" smtClean="0"/>
-              <a:t>MNAFS 2013 - Growth</a:t>
+              <a:t>AFS15 - Growth</a:t>
             </a:r>
             <a:endParaRPr lang="en-US"/>
           </a:p>
@@ -5374,7 +5374,7 @@
           <a:p>
             <a:r>
               <a:rPr lang="en-US" smtClean="0"/>
-              <a:t>MNAFS 2013 - Growth</a:t>
+              <a:t>AFS15 - Growth</a:t>
             </a:r>
             <a:endParaRPr lang="en-US"/>
           </a:p>
@@ -5886,7 +5886,7 @@
           <a:p>
             <a:r>
               <a:rPr lang="en-US" smtClean="0"/>
-              <a:t>MNAFS 2013 - Growth</a:t>
+              <a:t>AFS15 - Growth</a:t>
             </a:r>
             <a:endParaRPr lang="en-US"/>
           </a:p>
@@ -6011,7 +6011,7 @@
           <a:p>
             <a:r>
               <a:rPr lang="en-US" smtClean="0"/>
-              <a:t>MNAFS 2013 - Growth</a:t>
+              <a:t>AFS15 - Growth</a:t>
             </a:r>
             <a:endParaRPr lang="en-US"/>
           </a:p>
@@ -6769,7 +6769,7 @@
           <a:p>
             <a:r>
               <a:rPr lang="en-US" smtClean="0"/>
-              <a:t>MNAFS 2013 - Growth</a:t>
+              <a:t>AFS15 - Growth</a:t>
             </a:r>
             <a:endParaRPr lang="en-US"/>
           </a:p>
@@ -7249,7 +7249,7 @@
           <a:p>
             <a:r>
               <a:rPr lang="en-US" smtClean="0"/>
-              <a:t>MNAFS 2013 - Growth</a:t>
+              <a:t>AFS15 - Growth</a:t>
             </a:r>
             <a:endParaRPr lang="en-US"/>
           </a:p>
@@ -7575,11 +7575,11 @@
   <p:clrMapOvr>
     <a:masterClrMapping/>
   </p:clrMapOvr>
-  <mc:AlternateContent xmlns:mc="http://schemas.openxmlformats.org/markup-compatibility/2006">
-    <mc:Choice xmlns:p14="http://schemas.microsoft.com/office/powerpoint/2010/main" Requires="p14">
+  <mc:AlternateContent xmlns:mc="http://schemas.openxmlformats.org/markup-compatibility/2006" xmlns:p14="http://schemas.microsoft.com/office/powerpoint/2010/main">
+    <mc:Choice Requires="p14">
       <p:transition spd="slow" p14:dur="2000"/>
     </mc:Choice>
-    <mc:Fallback>
+    <mc:Fallback xmlns="">
       <p:transition spd="slow"/>
     </mc:Fallback>
   </mc:AlternateContent>
@@ -7831,7 +7831,7 @@
           <a:p>
             <a:r>
               <a:rPr lang="en-US" smtClean="0"/>
-              <a:t>MNAFS 2013 - Growth</a:t>
+              <a:t>AFS15 - Growth</a:t>
             </a:r>
             <a:endParaRPr lang="en-US"/>
           </a:p>
@@ -7922,11 +7922,11 @@
   <p:clrMapOvr>
     <a:masterClrMapping/>
   </p:clrMapOvr>
-  <mc:AlternateContent xmlns:mc="http://schemas.openxmlformats.org/markup-compatibility/2006">
-    <mc:Choice xmlns:p14="http://schemas.microsoft.com/office/powerpoint/2010/main" Requires="p14">
+  <mc:AlternateContent xmlns:mc="http://schemas.openxmlformats.org/markup-compatibility/2006" xmlns:p14="http://schemas.microsoft.com/office/powerpoint/2010/main">
+    <mc:Choice Requires="p14">
       <p:transition spd="slow" p14:dur="2000"/>
     </mc:Choice>
-    <mc:Fallback>
+    <mc:Fallback xmlns="">
       <p:transition spd="slow"/>
     </mc:Fallback>
   </mc:AlternateContent>

--- a/Slides/04_Growth.pptx
+++ b/Slides/04_Growth.pptx
@@ -1284,7 +1284,7 @@
           <a:p>
             <a:r>
               <a:rPr lang="en-US" smtClean="0"/>
-              <a:t>AFS15 - Growth</a:t>
+              <a:t>Age &amp; Growth R  ●  Portland, OR ●  16 August 2015</a:t>
             </a:r>
             <a:endParaRPr lang="en-US"/>
           </a:p>
@@ -1439,7 +1439,7 @@
           <a:p>
             <a:r>
               <a:rPr lang="en-US" smtClean="0"/>
-              <a:t>AFS15 - Growth</a:t>
+              <a:t>Age &amp; Growth R  ●  Portland, OR ●  16 August 2015</a:t>
             </a:r>
             <a:endParaRPr lang="en-US"/>
           </a:p>
@@ -1604,7 +1604,7 @@
           <a:p>
             <a:r>
               <a:rPr lang="en-US" smtClean="0"/>
-              <a:t>AFS15 - Growth</a:t>
+              <a:t>Age &amp; Growth R  ●  Portland, OR ●  16 August 2015</a:t>
             </a:r>
             <a:endParaRPr lang="en-US"/>
           </a:p>
@@ -1764,7 +1764,12 @@
             <p:ph type="ftr" sz="quarter" idx="10"/>
           </p:nvPr>
         </p:nvSpPr>
-        <p:spPr/>
+        <p:spPr>
+          <a:xfrm>
+            <a:off x="0" y="6553200"/>
+            <a:ext cx="4343400" cy="304800"/>
+          </a:xfrm>
+        </p:spPr>
         <p:txBody>
           <a:bodyPr/>
           <a:lstStyle>
@@ -1774,10 +1779,10 @@
           </a:lstStyle>
           <a:p>
             <a:r>
-              <a:rPr lang="en-US" smtClean="0"/>
-              <a:t>AFS15 - Growth</a:t>
-            </a:r>
-            <a:endParaRPr lang="en-US"/>
+              <a:rPr lang="en-US" dirty="0" smtClean="0"/>
+              <a:t>Age &amp; Growth R  ●  Portland, OR ●  16 August 2015</a:t>
+            </a:r>
+            <a:endParaRPr lang="en-US" dirty="0"/>
           </a:p>
         </p:txBody>
       </p:sp>
@@ -1952,7 +1957,7 @@
           <a:p>
             <a:r>
               <a:rPr lang="en-US" smtClean="0"/>
-              <a:t>AFS15 - Growth</a:t>
+              <a:t>Age &amp; Growth R  ●  Portland, OR ●  16 August 2015</a:t>
             </a:r>
             <a:endParaRPr lang="en-US"/>
           </a:p>
@@ -2225,7 +2230,7 @@
           <a:p>
             <a:r>
               <a:rPr lang="en-US" smtClean="0"/>
-              <a:t>AFS15 - Growth</a:t>
+              <a:t>Age &amp; Growth R  ●  Portland, OR ●  16 August 2015</a:t>
             </a:r>
             <a:endParaRPr lang="en-US"/>
           </a:p>
@@ -2637,7 +2642,7 @@
           <a:p>
             <a:r>
               <a:rPr lang="en-US" smtClean="0"/>
-              <a:t>AFS15 - Growth</a:t>
+              <a:t>Age &amp; Growth R  ●  Portland, OR ●  16 August 2015</a:t>
             </a:r>
             <a:endParaRPr lang="en-US"/>
           </a:p>
@@ -2740,7 +2745,7 @@
           <a:p>
             <a:r>
               <a:rPr lang="en-US" smtClean="0"/>
-              <a:t>AFS15 - Growth</a:t>
+              <a:t>Age &amp; Growth R  ●  Portland, OR ●  16 August 2015</a:t>
             </a:r>
             <a:endParaRPr lang="en-US"/>
           </a:p>
@@ -2820,7 +2825,7 @@
           <a:p>
             <a:r>
               <a:rPr lang="en-US" smtClean="0"/>
-              <a:t>AFS15 - Growth</a:t>
+              <a:t>Age &amp; Growth R  ●  Portland, OR ●  16 August 2015</a:t>
             </a:r>
             <a:endParaRPr lang="en-US"/>
           </a:p>
@@ -3082,7 +3087,7 @@
           <a:p>
             <a:r>
               <a:rPr lang="en-US" smtClean="0"/>
-              <a:t>AFS15 - Growth</a:t>
+              <a:t>Age &amp; Growth R  ●  Portland, OR ●  16 August 2015</a:t>
             </a:r>
             <a:endParaRPr lang="en-US"/>
           </a:p>
@@ -3320,7 +3325,7 @@
           <a:p>
             <a:r>
               <a:rPr lang="en-US" smtClean="0"/>
-              <a:t>AFS15 - Growth</a:t>
+              <a:t>Age &amp; Growth R  ●  Portland, OR ●  16 August 2015</a:t>
             </a:r>
             <a:endParaRPr lang="en-US"/>
           </a:p>
@@ -3595,7 +3600,7 @@
           <a:p>
             <a:r>
               <a:rPr lang="en-US" smtClean="0"/>
-              <a:t>AFS15 - Growth</a:t>
+              <a:t>Age &amp; Growth R  ●  Portland, OR ●  16 August 2015</a:t>
             </a:r>
             <a:endParaRPr lang="en-US"/>
           </a:p>
@@ -3665,7 +3670,7 @@
     <p:sldLayoutId id="2147483658" r:id="rId10"/>
     <p:sldLayoutId id="2147483659" r:id="rId11"/>
   </p:sldLayoutIdLst>
-  <p:hf hdr="0" dt="0"/>
+  <p:hf sldNum="0" hdr="0" dt="0"/>
   <p:txStyles>
     <p:titleStyle>
       <a:lvl1pPr algn="ctr" rtl="0" fontAlgn="base">
@@ -4163,32 +4168,8 @@
           <a:p>
             <a:r>
               <a:rPr lang="en-US" smtClean="0"/>
-              <a:t>AFS15 - Growth</a:t>
-            </a:r>
-            <a:endParaRPr lang="en-US"/>
-          </a:p>
-        </p:txBody>
-      </p:sp>
-      <p:sp>
-        <p:nvSpPr>
-          <p:cNvPr id="6" name="Slide Number Placeholder 4"/>
-          <p:cNvSpPr>
-            <a:spLocks noGrp="1"/>
-          </p:cNvSpPr>
-          <p:nvPr>
-            <p:ph type="sldNum" sz="quarter" idx="11"/>
-          </p:nvPr>
-        </p:nvSpPr>
-        <p:spPr/>
-        <p:txBody>
-          <a:bodyPr/>
-          <a:lstStyle/>
-          <a:p>
-            <a:fld id="{4BDAF3FE-F4ED-40E0-8515-1C336F67AAE4}" type="slidenum">
-              <a:rPr lang="en-US"/>
-              <a:pPr/>
-              <a:t>10</a:t>
-            </a:fld>
+              <a:t>Age &amp; Growth R  ●  Portland, OR ●  16 August 2015</a:t>
+            </a:r>
             <a:endParaRPr lang="en-US"/>
           </a:p>
         </p:txBody>
@@ -4450,32 +4431,8 @@
           <a:p>
             <a:r>
               <a:rPr lang="en-US" smtClean="0"/>
-              <a:t>AFS15 - Growth</a:t>
-            </a:r>
-            <a:endParaRPr lang="en-US"/>
-          </a:p>
-        </p:txBody>
-      </p:sp>
-      <p:sp>
-        <p:nvSpPr>
-          <p:cNvPr id="8" name="Slide Number Placeholder 4"/>
-          <p:cNvSpPr>
-            <a:spLocks noGrp="1"/>
-          </p:cNvSpPr>
-          <p:nvPr>
-            <p:ph type="sldNum" sz="quarter" idx="11"/>
-          </p:nvPr>
-        </p:nvSpPr>
-        <p:spPr/>
-        <p:txBody>
-          <a:bodyPr/>
-          <a:lstStyle/>
-          <a:p>
-            <a:fld id="{F3A79AC7-302F-4646-AA6A-28A8668D194F}" type="slidenum">
-              <a:rPr lang="en-US"/>
-              <a:pPr/>
-              <a:t>2</a:t>
-            </a:fld>
+              <a:t>Age &amp; Growth R  ●  Portland, OR ●  16 August 2015</a:t>
+            </a:r>
             <a:endParaRPr lang="en-US"/>
           </a:p>
         </p:txBody>
@@ -4534,7 +4491,7 @@
               <a:buNone/>
             </a:pPr>
             <a:r>
-              <a:rPr lang="en-US" sz="1800" b="1" u="sng">
+              <a:rPr lang="en-US" sz="1800" b="1" u="sng" dirty="0">
                 <a:latin typeface="Courier New" pitchFamily="49" charset="0"/>
               </a:rPr>
               <a:t>TL Age Species</a:t>
@@ -4549,7 +4506,7 @@
               <a:buNone/>
             </a:pPr>
             <a:r>
-              <a:rPr lang="en-US" sz="1800">
+              <a:rPr lang="en-US" sz="1800" dirty="0">
                 <a:latin typeface="Courier New" pitchFamily="49" charset="0"/>
               </a:rPr>
               <a:t>24   6 Rainbow</a:t>
@@ -4564,7 +4521,7 @@
               <a:buNone/>
             </a:pPr>
             <a:r>
-              <a:rPr lang="en-US" sz="1800">
+              <a:rPr lang="en-US" sz="1800" dirty="0">
                 <a:latin typeface="Courier New" pitchFamily="49" charset="0"/>
               </a:rPr>
               <a:t>26   8 Rainbow</a:t>
@@ -4579,7 +4536,7 @@
               <a:buNone/>
             </a:pPr>
             <a:r>
-              <a:rPr lang="en-US" sz="1800">
+              <a:rPr lang="en-US" sz="1800" dirty="0">
                 <a:latin typeface="Courier New" pitchFamily="49" charset="0"/>
               </a:rPr>
               <a:t>23   5 Rainbow</a:t>
@@ -4594,7 +4551,7 @@
               <a:buNone/>
             </a:pPr>
             <a:r>
-              <a:rPr lang="en-US" sz="1800">
+              <a:rPr lang="en-US" sz="1800" dirty="0">
                 <a:latin typeface="Courier New" pitchFamily="49" charset="0"/>
               </a:rPr>
               <a:t>25   5 Rainbow</a:t>
@@ -4609,7 +4566,7 @@
               <a:buNone/>
             </a:pPr>
             <a:r>
-              <a:rPr lang="en-US" sz="1800">
+              <a:rPr lang="en-US" sz="1800" dirty="0">
                 <a:latin typeface="Courier New" pitchFamily="49" charset="0"/>
               </a:rPr>
               <a:t>24   4 Rainbow</a:t>
@@ -4624,7 +4581,7 @@
               <a:buNone/>
             </a:pPr>
             <a:r>
-              <a:rPr lang="en-US" sz="1800">
+              <a:rPr lang="en-US" sz="1800" dirty="0">
                 <a:latin typeface="Courier New" pitchFamily="49" charset="0"/>
               </a:rPr>
               <a:t>24   5 Rainbow</a:t>
@@ -4639,7 +4596,7 @@
               <a:buNone/>
             </a:pPr>
             <a:r>
-              <a:rPr lang="en-US" sz="1800">
+              <a:rPr lang="en-US" sz="1800" dirty="0">
                 <a:latin typeface="Courier New" pitchFamily="49" charset="0"/>
               </a:rPr>
               <a:t>23   4 Rainbow</a:t>
@@ -4654,7 +4611,7 @@
               <a:buNone/>
             </a:pPr>
             <a:r>
-              <a:rPr lang="en-US" sz="1800">
+              <a:rPr lang="en-US" sz="1800" dirty="0">
                 <a:latin typeface="Courier New" pitchFamily="49" charset="0"/>
               </a:rPr>
               <a:t>25   5 Rainbow</a:t>
@@ -4669,7 +4626,7 @@
               <a:buNone/>
             </a:pPr>
             <a:r>
-              <a:rPr lang="en-US" sz="1800">
+              <a:rPr lang="en-US" sz="1800" dirty="0">
                 <a:latin typeface="Courier New" pitchFamily="49" charset="0"/>
               </a:rPr>
               <a:t>20   4 Rainbow</a:t>
@@ -4684,7 +4641,7 @@
               <a:buNone/>
             </a:pPr>
             <a:r>
-              <a:rPr lang="en-US" sz="1800">
+              <a:rPr lang="en-US" sz="1800" dirty="0">
                 <a:latin typeface="Courier New" pitchFamily="49" charset="0"/>
               </a:rPr>
               <a:t>23   4 Rainbow</a:t>
@@ -4699,7 +4656,7 @@
               <a:buNone/>
             </a:pPr>
             <a:r>
-              <a:rPr lang="en-US" sz="1800">
+              <a:rPr lang="en-US" sz="1800" dirty="0">
                 <a:latin typeface="Courier New" pitchFamily="49" charset="0"/>
               </a:rPr>
               <a:t>26   6 Rainbow</a:t>
@@ -4714,7 +4671,7 @@
               <a:buNone/>
             </a:pPr>
             <a:r>
-              <a:rPr lang="en-US" sz="1800">
+              <a:rPr lang="en-US" sz="1800" dirty="0">
                 <a:latin typeface="Courier New" pitchFamily="49" charset="0"/>
               </a:rPr>
               <a:t>29  10 Rainbow</a:t>
@@ -4729,7 +4686,7 @@
               <a:buNone/>
             </a:pPr>
             <a:r>
-              <a:rPr lang="en-US" sz="1800">
+              <a:rPr lang="en-US" sz="1800" dirty="0">
                 <a:latin typeface="Courier New" pitchFamily="49" charset="0"/>
               </a:rPr>
               <a:t>20   4 Rainbow</a:t>
@@ -4744,7 +4701,7 @@
               <a:buNone/>
             </a:pPr>
             <a:r>
-              <a:rPr lang="en-US" sz="1800">
+              <a:rPr lang="en-US" sz="1800" dirty="0">
                 <a:latin typeface="Courier New" pitchFamily="49" charset="0"/>
               </a:rPr>
               <a:t>29   8 Rainbow</a:t>
@@ -4759,7 +4716,7 @@
               <a:buNone/>
             </a:pPr>
             <a:r>
-              <a:rPr lang="en-US" sz="1800">
+              <a:rPr lang="en-US" sz="1800" dirty="0">
                 <a:latin typeface="Courier New" pitchFamily="49" charset="0"/>
               </a:rPr>
               <a:t>24   6 Rainbow</a:t>
@@ -4774,7 +4731,7 @@
               <a:buNone/>
             </a:pPr>
             <a:r>
-              <a:rPr lang="en-US" sz="1800">
+              <a:rPr lang="en-US" sz="1800" dirty="0">
                 <a:latin typeface="Courier New" pitchFamily="49" charset="0"/>
               </a:rPr>
               <a:t>26   6 Rainbow</a:t>
@@ -4789,7 +4746,7 @@
               <a:buNone/>
             </a:pPr>
             <a:r>
-              <a:rPr lang="en-US" sz="1800">
+              <a:rPr lang="en-US" sz="1800" dirty="0">
                 <a:latin typeface="Courier New" pitchFamily="49" charset="0"/>
               </a:rPr>
               <a:t>23   5 Rainbow</a:t>
@@ -4804,41 +4761,20 @@
               <a:buNone/>
             </a:pPr>
             <a:r>
-              <a:rPr lang="en-US" sz="1800">
+              <a:rPr lang="en-US" sz="1800" dirty="0">
                 <a:latin typeface="Courier New" pitchFamily="49" charset="0"/>
               </a:rPr>
-              <a:t>24   4 Rainbow</a:t>
-            </a:r>
-          </a:p>
-          <a:p>
-            <a:pPr>
-              <a:lnSpc>
-                <a:spcPct val="80000"/>
-              </a:lnSpc>
-              <a:buFontTx/>
-              <a:buNone/>
-            </a:pPr>
-            <a:r>
-              <a:rPr lang="en-US" sz="1800">
+              <a:t>24   4 </a:t>
+            </a:r>
+            <a:r>
+              <a:rPr lang="en-US" sz="1800" dirty="0" smtClean="0">
                 <a:latin typeface="Courier New" pitchFamily="49" charset="0"/>
               </a:rPr>
-              <a:t>22   4 Rainbow</a:t>
-            </a:r>
-          </a:p>
-          <a:p>
-            <a:pPr>
-              <a:lnSpc>
-                <a:spcPct val="80000"/>
-              </a:lnSpc>
-              <a:buFontTx/>
-              <a:buNone/>
-            </a:pPr>
-            <a:r>
-              <a:rPr lang="en-US" sz="1800">
-                <a:latin typeface="Courier New" pitchFamily="49" charset="0"/>
-              </a:rPr>
-              <a:t>25   7 Rainbow</a:t>
-            </a:r>
+              <a:t>Rainbow</a:t>
+            </a:r>
+            <a:endParaRPr lang="en-US" sz="1800" dirty="0">
+              <a:latin typeface="Courier New" pitchFamily="49" charset="0"/>
+            </a:endParaRPr>
           </a:p>
         </p:txBody>
       </p:sp>
@@ -4983,32 +4919,8 @@
           <a:p>
             <a:r>
               <a:rPr lang="en-US" smtClean="0"/>
-              <a:t>AFS15 - Growth</a:t>
-            </a:r>
-            <a:endParaRPr lang="en-US"/>
-          </a:p>
-        </p:txBody>
-      </p:sp>
-      <p:sp>
-        <p:nvSpPr>
-          <p:cNvPr id="5" name="Slide Number Placeholder 4"/>
-          <p:cNvSpPr>
-            <a:spLocks noGrp="1"/>
-          </p:cNvSpPr>
-          <p:nvPr>
-            <p:ph type="sldNum" sz="quarter" idx="11"/>
-          </p:nvPr>
-        </p:nvSpPr>
-        <p:spPr/>
-        <p:txBody>
-          <a:bodyPr/>
-          <a:lstStyle/>
-          <a:p>
-            <a:fld id="{2F5F47ED-5058-48D1-AC84-486BC88BE72E}" type="slidenum">
-              <a:rPr lang="en-US"/>
-              <a:pPr/>
-              <a:t>3</a:t>
-            </a:fld>
+              <a:t>Age &amp; Growth R  ●  Portland, OR ●  16 August 2015</a:t>
+            </a:r>
             <a:endParaRPr lang="en-US"/>
           </a:p>
         </p:txBody>
@@ -5374,32 +5286,8 @@
           <a:p>
             <a:r>
               <a:rPr lang="en-US" smtClean="0"/>
-              <a:t>AFS15 - Growth</a:t>
-            </a:r>
-            <a:endParaRPr lang="en-US"/>
-          </a:p>
-        </p:txBody>
-      </p:sp>
-      <p:sp>
-        <p:nvSpPr>
-          <p:cNvPr id="6" name="Slide Number Placeholder 4"/>
-          <p:cNvSpPr>
-            <a:spLocks noGrp="1"/>
-          </p:cNvSpPr>
-          <p:nvPr>
-            <p:ph type="sldNum" sz="quarter" idx="11"/>
-          </p:nvPr>
-        </p:nvSpPr>
-        <p:spPr/>
-        <p:txBody>
-          <a:bodyPr/>
-          <a:lstStyle/>
-          <a:p>
-            <a:fld id="{4BDAF3FE-F4ED-40E0-8515-1C336F67AAE4}" type="slidenum">
-              <a:rPr lang="en-US"/>
-              <a:pPr/>
-              <a:t>4</a:t>
-            </a:fld>
+              <a:t>Age &amp; Growth R  ●  Portland, OR ●  16 August 2015</a:t>
+            </a:r>
             <a:endParaRPr lang="en-US"/>
           </a:p>
         </p:txBody>
@@ -5886,32 +5774,8 @@
           <a:p>
             <a:r>
               <a:rPr lang="en-US" smtClean="0"/>
-              <a:t>AFS15 - Growth</a:t>
-            </a:r>
-            <a:endParaRPr lang="en-US"/>
-          </a:p>
-        </p:txBody>
-      </p:sp>
-      <p:sp>
-        <p:nvSpPr>
-          <p:cNvPr id="5" name="Slide Number Placeholder 4"/>
-          <p:cNvSpPr>
-            <a:spLocks noGrp="1"/>
-          </p:cNvSpPr>
-          <p:nvPr>
-            <p:ph type="sldNum" sz="quarter" idx="11"/>
-          </p:nvPr>
-        </p:nvSpPr>
-        <p:spPr/>
-        <p:txBody>
-          <a:bodyPr/>
-          <a:lstStyle/>
-          <a:p>
-            <a:fld id="{A49FBD45-9B9F-4D1D-9B93-4A348B4E2532}" type="slidenum">
-              <a:rPr lang="en-US"/>
-              <a:pPr/>
-              <a:t>5</a:t>
-            </a:fld>
+              <a:t>Age &amp; Growth R  ●  Portland, OR ●  16 August 2015</a:t>
+            </a:r>
             <a:endParaRPr lang="en-US"/>
           </a:p>
         </p:txBody>
@@ -6011,32 +5875,8 @@
           <a:p>
             <a:r>
               <a:rPr lang="en-US" smtClean="0"/>
-              <a:t>AFS15 - Growth</a:t>
-            </a:r>
-            <a:endParaRPr lang="en-US"/>
-          </a:p>
-        </p:txBody>
-      </p:sp>
-      <p:sp>
-        <p:nvSpPr>
-          <p:cNvPr id="6" name="Slide Number Placeholder 4"/>
-          <p:cNvSpPr>
-            <a:spLocks noGrp="1"/>
-          </p:cNvSpPr>
-          <p:nvPr>
-            <p:ph type="sldNum" sz="quarter" idx="11"/>
-          </p:nvPr>
-        </p:nvSpPr>
-        <p:spPr/>
-        <p:txBody>
-          <a:bodyPr/>
-          <a:lstStyle/>
-          <a:p>
-            <a:fld id="{4BDAF3FE-F4ED-40E0-8515-1C336F67AAE4}" type="slidenum">
-              <a:rPr lang="en-US"/>
-              <a:pPr/>
-              <a:t>6</a:t>
-            </a:fld>
+              <a:t>Age &amp; Growth R  ●  Portland, OR ●  16 August 2015</a:t>
+            </a:r>
             <a:endParaRPr lang="en-US"/>
           </a:p>
         </p:txBody>
@@ -6734,15 +6574,7 @@
             </a:r>
             <a:r>
               <a:rPr lang="en-US" i="1" dirty="0" smtClean="0"/>
-              <a:t>may </a:t>
-            </a:r>
-            <a:r>
-              <a:rPr lang="en-US" i="1" smtClean="0"/>
-              <a:t>need minor </a:t>
-            </a:r>
-            <a:r>
-              <a:rPr lang="en-US" i="1" dirty="0" smtClean="0"/>
-              <a:t>additional instruction</a:t>
+              <a:t>may need minor additional instruction</a:t>
             </a:r>
             <a:r>
               <a:rPr lang="en-US" dirty="0" smtClean="0"/>
@@ -6769,32 +6601,8 @@
           <a:p>
             <a:r>
               <a:rPr lang="en-US" smtClean="0"/>
-              <a:t>AFS15 - Growth</a:t>
-            </a:r>
-            <a:endParaRPr lang="en-US"/>
-          </a:p>
-        </p:txBody>
-      </p:sp>
-      <p:sp>
-        <p:nvSpPr>
-          <p:cNvPr id="5" name="Slide Number Placeholder 4"/>
-          <p:cNvSpPr>
-            <a:spLocks noGrp="1"/>
-          </p:cNvSpPr>
-          <p:nvPr>
-            <p:ph type="sldNum" sz="quarter" idx="11"/>
-          </p:nvPr>
-        </p:nvSpPr>
-        <p:spPr/>
-        <p:txBody>
-          <a:bodyPr/>
-          <a:lstStyle/>
-          <a:p>
-            <a:fld id="{ED6950E9-D724-4023-B9C4-CE5A7098C138}" type="slidenum">
-              <a:rPr lang="en-US" smtClean="0"/>
-              <a:pPr/>
-              <a:t>7</a:t>
-            </a:fld>
+              <a:t>Age &amp; Growth R  ●  Portland, OR ●  16 August 2015</a:t>
+            </a:r>
             <a:endParaRPr lang="en-US"/>
           </a:p>
         </p:txBody>
@@ -7077,6 +6885,33 @@
                                           </p:stCondLst>
                                         </p:cTn>
                                         <p:tgtEl>
+                                          <p:spTgt spid="6"/>
+                                        </p:tgtEl>
+                                        <p:attrNameLst>
+                                          <p:attrName>style.visibility</p:attrName>
+                                        </p:attrNameLst>
+                                      </p:cBhvr>
+                                      <p:to>
+                                        <p:strVal val="visible"/>
+                                      </p:to>
+                                    </p:set>
+                                  </p:childTnLst>
+                                </p:cTn>
+                              </p:par>
+                              <p:par>
+                                <p:cTn id="11" presetID="1" presetClass="entr" presetSubtype="0" fill="hold" grpId="0" nodeType="withEffect">
+                                  <p:stCondLst>
+                                    <p:cond delay="0"/>
+                                  </p:stCondLst>
+                                  <p:childTnLst>
+                                    <p:set>
+                                      <p:cBhvr>
+                                        <p:cTn id="12" dur="1" fill="hold">
+                                          <p:stCondLst>
+                                            <p:cond delay="0"/>
+                                          </p:stCondLst>
+                                        </p:cTn>
+                                        <p:tgtEl>
                                           <p:spTgt spid="3">
                                             <p:txEl>
                                               <p:pRg st="0" end="0"/>
@@ -7094,26 +6929,8 @@
                                   </p:childTnLst>
                                 </p:cTn>
                               </p:par>
-                            </p:childTnLst>
-                          </p:cTn>
-                        </p:par>
-                      </p:childTnLst>
-                    </p:cTn>
-                  </p:par>
-                  <p:par>
-                    <p:cTn id="11" fill="hold">
-                      <p:stCondLst>
-                        <p:cond delay="indefinite"/>
-                      </p:stCondLst>
-                      <p:childTnLst>
-                        <p:par>
-                          <p:cTn id="12" fill="hold">
-                            <p:stCondLst>
-                              <p:cond delay="0"/>
-                            </p:stCondLst>
-                            <p:childTnLst>
                               <p:par>
-                                <p:cTn id="13" presetID="1" presetClass="entr" presetSubtype="0" fill="hold" grpId="0" nodeType="clickEffect">
+                                <p:cTn id="13" presetID="1" presetClass="entr" presetSubtype="0" fill="hold" grpId="0" nodeType="withEffect">
                                   <p:stCondLst>
                                     <p:cond delay="0"/>
                                   </p:stCondLst>
@@ -7131,42 +6948,6 @@
                                               <p:pRg st="1" end="1"/>
                                             </p:txEl>
                                           </p:spTgt>
-                                        </p:tgtEl>
-                                        <p:attrNameLst>
-                                          <p:attrName>style.visibility</p:attrName>
-                                        </p:attrNameLst>
-                                      </p:cBhvr>
-                                      <p:to>
-                                        <p:strVal val="visible"/>
-                                      </p:to>
-                                    </p:set>
-                                  </p:childTnLst>
-                                </p:cTn>
-                              </p:par>
-                            </p:childTnLst>
-                          </p:cTn>
-                        </p:par>
-                        <p:par>
-                          <p:cTn id="15" fill="hold">
-                            <p:stCondLst>
-                              <p:cond delay="0"/>
-                            </p:stCondLst>
-                            <p:childTnLst>
-                              <p:par>
-                                <p:cTn id="16" presetID="1" presetClass="entr" presetSubtype="0" fill="hold" grpId="0" nodeType="afterEffect">
-                                  <p:stCondLst>
-                                    <p:cond delay="0"/>
-                                  </p:stCondLst>
-                                  <p:childTnLst>
-                                    <p:set>
-                                      <p:cBhvr>
-                                        <p:cTn id="17" dur="1" fill="hold">
-                                          <p:stCondLst>
-                                            <p:cond delay="0"/>
-                                          </p:stCondLst>
-                                        </p:cTn>
-                                        <p:tgtEl>
-                                          <p:spTgt spid="6"/>
                                         </p:tgtEl>
                                         <p:attrNameLst>
                                           <p:attrName>style.visibility</p:attrName>
@@ -7249,32 +7030,8 @@
           <a:p>
             <a:r>
               <a:rPr lang="en-US" smtClean="0"/>
-              <a:t>AFS15 - Growth</a:t>
-            </a:r>
-            <a:endParaRPr lang="en-US"/>
-          </a:p>
-        </p:txBody>
-      </p:sp>
-      <p:sp>
-        <p:nvSpPr>
-          <p:cNvPr id="6" name="Slide Number Placeholder 4"/>
-          <p:cNvSpPr>
-            <a:spLocks noGrp="1"/>
-          </p:cNvSpPr>
-          <p:nvPr>
-            <p:ph type="sldNum" sz="quarter" idx="11"/>
-          </p:nvPr>
-        </p:nvSpPr>
-        <p:spPr/>
-        <p:txBody>
-          <a:bodyPr/>
-          <a:lstStyle/>
-          <a:p>
-            <a:fld id="{4BDAF3FE-F4ED-40E0-8515-1C336F67AAE4}" type="slidenum">
-              <a:rPr lang="en-US"/>
-              <a:pPr/>
-              <a:t>8</a:t>
-            </a:fld>
+              <a:t>Age &amp; Growth R  ●  Portland, OR ●  16 August 2015</a:t>
+            </a:r>
             <a:endParaRPr lang="en-US"/>
           </a:p>
         </p:txBody>
@@ -7831,32 +7588,8 @@
           <a:p>
             <a:r>
               <a:rPr lang="en-US" smtClean="0"/>
-              <a:t>AFS15 - Growth</a:t>
-            </a:r>
-            <a:endParaRPr lang="en-US"/>
-          </a:p>
-        </p:txBody>
-      </p:sp>
-      <p:sp>
-        <p:nvSpPr>
-          <p:cNvPr id="6" name="Slide Number Placeholder 4"/>
-          <p:cNvSpPr>
-            <a:spLocks noGrp="1"/>
-          </p:cNvSpPr>
-          <p:nvPr>
-            <p:ph type="sldNum" sz="quarter" idx="11"/>
-          </p:nvPr>
-        </p:nvSpPr>
-        <p:spPr/>
-        <p:txBody>
-          <a:bodyPr/>
-          <a:lstStyle/>
-          <a:p>
-            <a:fld id="{4BDAF3FE-F4ED-40E0-8515-1C336F67AAE4}" type="slidenum">
-              <a:rPr lang="en-US"/>
-              <a:pPr/>
-              <a:t>9</a:t>
-            </a:fld>
+              <a:t>Age &amp; Growth R  ●  Portland, OR ●  16 August 2015</a:t>
+            </a:r>
             <a:endParaRPr lang="en-US"/>
           </a:p>
         </p:txBody>
